--- a/cs220/cs220-pz01-nikola_tasic_3698/cs220-pz-nikola_tasic_3698-numa_arhitektura.pptx
+++ b/cs220/cs220-pz01-nikola_tasic_3698/cs220-pz-nikola_tasic_3698-numa_arhitektura.pptx
@@ -4113,6 +4113,34 @@
           </a:p>
         </p:txBody>
       </p:sp>
+      <p:pic>
+        <p:nvPicPr>
+          <p:cNvPr id="17" name="Picture 10" descr="IMG_256"/>
+          <p:cNvPicPr>
+            <a:picLocks noChangeAspect="true"/>
+          </p:cNvPicPr>
+          <p:nvPr/>
+        </p:nvPicPr>
+        <p:blipFill>
+          <a:blip r:embed="rId1"/>
+          <a:stretch>
+            <a:fillRect/>
+          </a:stretch>
+        </p:blipFill>
+        <p:spPr>
+          <a:xfrm>
+            <a:off x="5358765" y="2073275"/>
+            <a:ext cx="6224905" cy="2710815"/>
+          </a:xfrm>
+          <a:prstGeom prst="rect">
+            <a:avLst/>
+          </a:prstGeom>
+          <a:noFill/>
+          <a:ln w="9525">
+            <a:noFill/>
+          </a:ln>
+        </p:spPr>
+      </p:pic>
     </p:spTree>
   </p:cSld>
   <p:clrMapOvr>
@@ -4281,6 +4309,62 @@
           </a:p>
         </p:txBody>
       </p:sp>
+      <p:pic>
+        <p:nvPicPr>
+          <p:cNvPr id="4" name="Picture 1" descr="IMG_256"/>
+          <p:cNvPicPr>
+            <a:picLocks noChangeAspect="true"/>
+          </p:cNvPicPr>
+          <p:nvPr/>
+        </p:nvPicPr>
+        <p:blipFill>
+          <a:blip r:embed="rId1"/>
+          <a:stretch>
+            <a:fillRect/>
+          </a:stretch>
+        </p:blipFill>
+        <p:spPr>
+          <a:xfrm>
+            <a:off x="4759960" y="3837305"/>
+            <a:ext cx="7079615" cy="2786380"/>
+          </a:xfrm>
+          <a:prstGeom prst="rect">
+            <a:avLst/>
+          </a:prstGeom>
+          <a:noFill/>
+          <a:ln w="9525">
+            <a:noFill/>
+          </a:ln>
+        </p:spPr>
+      </p:pic>
+      <p:pic>
+        <p:nvPicPr>
+          <p:cNvPr id="5" name="Picture 3" descr="IMG_256"/>
+          <p:cNvPicPr>
+            <a:picLocks noChangeAspect="true"/>
+          </p:cNvPicPr>
+          <p:nvPr/>
+        </p:nvPicPr>
+        <p:blipFill>
+          <a:blip r:embed="rId2"/>
+          <a:stretch>
+            <a:fillRect/>
+          </a:stretch>
+        </p:blipFill>
+        <p:spPr>
+          <a:xfrm>
+            <a:off x="5871210" y="258445"/>
+            <a:ext cx="4857115" cy="3626485"/>
+          </a:xfrm>
+          <a:prstGeom prst="rect">
+            <a:avLst/>
+          </a:prstGeom>
+          <a:noFill/>
+          <a:ln w="9525">
+            <a:noFill/>
+          </a:ln>
+        </p:spPr>
+      </p:pic>
     </p:spTree>
   </p:cSld>
   <p:clrMapOvr>
